--- a/iotimplementation.pptx
+++ b/iotimplementation.pptx
@@ -6,10 +6,10 @@
     <p:sldMasterId id="2147483660" r:id="rId2"/>
   </p:sldMasterIdLst>
   <p:notesMasterIdLst>
-    <p:notesMasterId r:id="rId31"/>
+    <p:notesMasterId r:id="rId35"/>
   </p:notesMasterIdLst>
   <p:handoutMasterIdLst>
-    <p:handoutMasterId r:id="rId32"/>
+    <p:handoutMasterId r:id="rId36"/>
   </p:handoutMasterIdLst>
   <p:sldIdLst>
     <p:sldId id="256" r:id="rId3"/>
@@ -40,6 +40,10 @@
     <p:sldId id="283" r:id="rId28"/>
     <p:sldId id="284" r:id="rId29"/>
     <p:sldId id="266" r:id="rId30"/>
+    <p:sldId id="285" r:id="rId31"/>
+    <p:sldId id="286" r:id="rId32"/>
+    <p:sldId id="287" r:id="rId33"/>
+    <p:sldId id="288" r:id="rId34"/>
   </p:sldIdLst>
   <p:sldSz cx="10080625" cy="5670550"/>
   <p:notesSz cx="7559675" cy="10691813"/>
@@ -138,6 +142,11 @@
       </a:defRPr>
     </a:lvl9pPr>
   </p:defaultTextStyle>
+  <p:extLst>
+    <p:ext uri="{EFAFB233-063F-42B5-8137-9DF3F51BA10A}">
+      <p15:sldGuideLst xmlns:p15="http://schemas.microsoft.com/office/powerpoint/2012/main"/>
+    </p:ext>
+  </p:extLst>
 </p:presentation>
 </file>
 
@@ -2959,6 +2968,518 @@
 </p:notes>
 </file>
 
+<file path=ppt/notesSlides/notesSlide25.xml><?xml version="1.0" encoding="utf-8"?>
+<p:notes xmlns:a="http://schemas.openxmlformats.org/drawingml/2006/main" xmlns:r="http://schemas.openxmlformats.org/officeDocument/2006/relationships" xmlns:p="http://schemas.openxmlformats.org/presentationml/2006/main">
+  <p:cSld>
+    <p:spTree>
+      <p:nvGrpSpPr>
+        <p:cNvPr id="1" name="">
+          <a:extLst>
+            <a:ext uri="{FF2B5EF4-FFF2-40B4-BE49-F238E27FC236}">
+              <a16:creationId xmlns:a16="http://schemas.microsoft.com/office/drawing/2014/main" id="{263F68BF-C6CF-0B72-7562-BD3353C27C47}"/>
+            </a:ext>
+          </a:extLst>
+        </p:cNvPr>
+        <p:cNvGrpSpPr/>
+        <p:nvPr/>
+      </p:nvGrpSpPr>
+      <p:grpSpPr>
+        <a:xfrm>
+          <a:off x="0" y="0"/>
+          <a:ext cx="0" cy="0"/>
+          <a:chOff x="0" y="0"/>
+          <a:chExt cx="0" cy="0"/>
+        </a:xfrm>
+      </p:grpSpPr>
+      <p:sp>
+        <p:nvSpPr>
+          <p:cNvPr id="7" name="Slide Number Placeholder 6">
+            <a:extLst>
+              <a:ext uri="{FF2B5EF4-FFF2-40B4-BE49-F238E27FC236}">
+                <a16:creationId xmlns:a16="http://schemas.microsoft.com/office/drawing/2014/main" id="{75109611-A142-9137-92D8-E76F72642574}"/>
+              </a:ext>
+            </a:extLst>
+          </p:cNvPr>
+          <p:cNvSpPr txBox="1">
+            <a:spLocks noGrp="1"/>
+          </p:cNvSpPr>
+          <p:nvPr>
+            <p:ph type="sldNum" sz="quarter" idx="5"/>
+          </p:nvPr>
+        </p:nvSpPr>
+        <p:spPr>
+          <a:ln/>
+        </p:spPr>
+        <p:txBody>
+          <a:bodyPr vert="horz" lIns="0" tIns="0" rIns="0" bIns="0" anchor="b" anchorCtr="0">
+            <a:noAutofit/>
+          </a:bodyPr>
+          <a:lstStyle/>
+          <a:p>
+            <a:pPr lvl="0"/>
+            <a:fld id="{B92F4560-9524-44EF-8570-94546829CD49}" type="slidenum">
+              <a:t>29</a:t>
+            </a:fld>
+            <a:endParaRPr lang="en-IN"/>
+          </a:p>
+        </p:txBody>
+      </p:sp>
+      <p:sp>
+        <p:nvSpPr>
+          <p:cNvPr id="2" name="Slide Image Placeholder 1">
+            <a:extLst>
+              <a:ext uri="{FF2B5EF4-FFF2-40B4-BE49-F238E27FC236}">
+                <a16:creationId xmlns:a16="http://schemas.microsoft.com/office/drawing/2014/main" id="{6E4F6025-11DE-38C6-412B-250BE0EAF220}"/>
+              </a:ext>
+            </a:extLst>
+          </p:cNvPr>
+          <p:cNvSpPr>
+            <a:spLocks noGrp="1" noRot="1" noChangeAspect="1" noResize="1"/>
+          </p:cNvSpPr>
+          <p:nvPr>
+            <p:ph type="sldImg"/>
+          </p:nvPr>
+        </p:nvSpPr>
+        <p:spPr>
+          <a:xfrm>
+            <a:off x="217488" y="812800"/>
+            <a:ext cx="7124700" cy="4008438"/>
+          </a:xfrm>
+          <a:solidFill>
+            <a:srgbClr val="729FCF"/>
+          </a:solidFill>
+          <a:ln w="25400">
+            <a:solidFill>
+              <a:srgbClr val="3465A4"/>
+            </a:solidFill>
+            <a:prstDash val="solid"/>
+          </a:ln>
+        </p:spPr>
+      </p:sp>
+      <p:sp>
+        <p:nvSpPr>
+          <p:cNvPr id="3" name="Notes Placeholder 2">
+            <a:extLst>
+              <a:ext uri="{FF2B5EF4-FFF2-40B4-BE49-F238E27FC236}">
+                <a16:creationId xmlns:a16="http://schemas.microsoft.com/office/drawing/2014/main" id="{4B1AE514-74E9-1F18-4A3A-FA7C9620CB7A}"/>
+              </a:ext>
+            </a:extLst>
+          </p:cNvPr>
+          <p:cNvSpPr txBox="1">
+            <a:spLocks noGrp="1"/>
+          </p:cNvSpPr>
+          <p:nvPr>
+            <p:ph type="body" sz="quarter" idx="1"/>
+          </p:nvPr>
+        </p:nvSpPr>
+        <p:spPr/>
+        <p:txBody>
+          <a:bodyPr vert="horz">
+            <a:spAutoFit/>
+          </a:bodyPr>
+          <a:lstStyle/>
+          <a:p>
+            <a:endParaRPr lang="en-IN"/>
+          </a:p>
+        </p:txBody>
+      </p:sp>
+    </p:spTree>
+    <p:extLst>
+      <p:ext uri="{BB962C8B-B14F-4D97-AF65-F5344CB8AC3E}">
+        <p14:creationId xmlns:p14="http://schemas.microsoft.com/office/powerpoint/2010/main" val="94087304"/>
+      </p:ext>
+    </p:extLst>
+  </p:cSld>
+  <p:clrMapOvr>
+    <a:masterClrMapping/>
+  </p:clrMapOvr>
+</p:notes>
+</file>
+
+<file path=ppt/notesSlides/notesSlide26.xml><?xml version="1.0" encoding="utf-8"?>
+<p:notes xmlns:a="http://schemas.openxmlformats.org/drawingml/2006/main" xmlns:r="http://schemas.openxmlformats.org/officeDocument/2006/relationships" xmlns:p="http://schemas.openxmlformats.org/presentationml/2006/main">
+  <p:cSld>
+    <p:spTree>
+      <p:nvGrpSpPr>
+        <p:cNvPr id="1" name="">
+          <a:extLst>
+            <a:ext uri="{FF2B5EF4-FFF2-40B4-BE49-F238E27FC236}">
+              <a16:creationId xmlns:a16="http://schemas.microsoft.com/office/drawing/2014/main" id="{FADAACE9-7E5D-8743-14CC-03D45599D20E}"/>
+            </a:ext>
+          </a:extLst>
+        </p:cNvPr>
+        <p:cNvGrpSpPr/>
+        <p:nvPr/>
+      </p:nvGrpSpPr>
+      <p:grpSpPr>
+        <a:xfrm>
+          <a:off x="0" y="0"/>
+          <a:ext cx="0" cy="0"/>
+          <a:chOff x="0" y="0"/>
+          <a:chExt cx="0" cy="0"/>
+        </a:xfrm>
+      </p:grpSpPr>
+      <p:sp>
+        <p:nvSpPr>
+          <p:cNvPr id="7" name="Slide Number Placeholder 6">
+            <a:extLst>
+              <a:ext uri="{FF2B5EF4-FFF2-40B4-BE49-F238E27FC236}">
+                <a16:creationId xmlns:a16="http://schemas.microsoft.com/office/drawing/2014/main" id="{7E195A32-6DFA-6E70-94CC-ADE15BA70D44}"/>
+              </a:ext>
+            </a:extLst>
+          </p:cNvPr>
+          <p:cNvSpPr txBox="1">
+            <a:spLocks noGrp="1"/>
+          </p:cNvSpPr>
+          <p:nvPr>
+            <p:ph type="sldNum" sz="quarter" idx="5"/>
+          </p:nvPr>
+        </p:nvSpPr>
+        <p:spPr>
+          <a:ln/>
+        </p:spPr>
+        <p:txBody>
+          <a:bodyPr vert="horz" lIns="0" tIns="0" rIns="0" bIns="0" anchor="b" anchorCtr="0">
+            <a:noAutofit/>
+          </a:bodyPr>
+          <a:lstStyle/>
+          <a:p>
+            <a:pPr lvl="0"/>
+            <a:fld id="{B92F4560-9524-44EF-8570-94546829CD49}" type="slidenum">
+              <a:t>30</a:t>
+            </a:fld>
+            <a:endParaRPr lang="en-IN"/>
+          </a:p>
+        </p:txBody>
+      </p:sp>
+      <p:sp>
+        <p:nvSpPr>
+          <p:cNvPr id="2" name="Slide Image Placeholder 1">
+            <a:extLst>
+              <a:ext uri="{FF2B5EF4-FFF2-40B4-BE49-F238E27FC236}">
+                <a16:creationId xmlns:a16="http://schemas.microsoft.com/office/drawing/2014/main" id="{D2CA7562-9421-396E-205A-55CA29DFAFD7}"/>
+              </a:ext>
+            </a:extLst>
+          </p:cNvPr>
+          <p:cNvSpPr>
+            <a:spLocks noGrp="1" noRot="1" noChangeAspect="1" noResize="1"/>
+          </p:cNvSpPr>
+          <p:nvPr>
+            <p:ph type="sldImg"/>
+          </p:nvPr>
+        </p:nvSpPr>
+        <p:spPr>
+          <a:xfrm>
+            <a:off x="217488" y="812800"/>
+            <a:ext cx="7124700" cy="4008438"/>
+          </a:xfrm>
+          <a:solidFill>
+            <a:srgbClr val="729FCF"/>
+          </a:solidFill>
+          <a:ln w="25400">
+            <a:solidFill>
+              <a:srgbClr val="3465A4"/>
+            </a:solidFill>
+            <a:prstDash val="solid"/>
+          </a:ln>
+        </p:spPr>
+      </p:sp>
+      <p:sp>
+        <p:nvSpPr>
+          <p:cNvPr id="3" name="Notes Placeholder 2">
+            <a:extLst>
+              <a:ext uri="{FF2B5EF4-FFF2-40B4-BE49-F238E27FC236}">
+                <a16:creationId xmlns:a16="http://schemas.microsoft.com/office/drawing/2014/main" id="{65A59664-8215-6681-0C5B-CB7789BEDEF9}"/>
+              </a:ext>
+            </a:extLst>
+          </p:cNvPr>
+          <p:cNvSpPr txBox="1">
+            <a:spLocks noGrp="1"/>
+          </p:cNvSpPr>
+          <p:nvPr>
+            <p:ph type="body" sz="quarter" idx="1"/>
+          </p:nvPr>
+        </p:nvSpPr>
+        <p:spPr/>
+        <p:txBody>
+          <a:bodyPr vert="horz">
+            <a:spAutoFit/>
+          </a:bodyPr>
+          <a:lstStyle/>
+          <a:p>
+            <a:endParaRPr lang="en-IN"/>
+          </a:p>
+        </p:txBody>
+      </p:sp>
+    </p:spTree>
+    <p:extLst>
+      <p:ext uri="{BB962C8B-B14F-4D97-AF65-F5344CB8AC3E}">
+        <p14:creationId xmlns:p14="http://schemas.microsoft.com/office/powerpoint/2010/main" val="2335484491"/>
+      </p:ext>
+    </p:extLst>
+  </p:cSld>
+  <p:clrMapOvr>
+    <a:masterClrMapping/>
+  </p:clrMapOvr>
+</p:notes>
+</file>
+
+<file path=ppt/notesSlides/notesSlide27.xml><?xml version="1.0" encoding="utf-8"?>
+<p:notes xmlns:a="http://schemas.openxmlformats.org/drawingml/2006/main" xmlns:r="http://schemas.openxmlformats.org/officeDocument/2006/relationships" xmlns:p="http://schemas.openxmlformats.org/presentationml/2006/main">
+  <p:cSld>
+    <p:spTree>
+      <p:nvGrpSpPr>
+        <p:cNvPr id="1" name="">
+          <a:extLst>
+            <a:ext uri="{FF2B5EF4-FFF2-40B4-BE49-F238E27FC236}">
+              <a16:creationId xmlns:a16="http://schemas.microsoft.com/office/drawing/2014/main" id="{53C5B34F-BB5F-47CD-9048-DA4837D56747}"/>
+            </a:ext>
+          </a:extLst>
+        </p:cNvPr>
+        <p:cNvGrpSpPr/>
+        <p:nvPr/>
+      </p:nvGrpSpPr>
+      <p:grpSpPr>
+        <a:xfrm>
+          <a:off x="0" y="0"/>
+          <a:ext cx="0" cy="0"/>
+          <a:chOff x="0" y="0"/>
+          <a:chExt cx="0" cy="0"/>
+        </a:xfrm>
+      </p:grpSpPr>
+      <p:sp>
+        <p:nvSpPr>
+          <p:cNvPr id="7" name="Slide Number Placeholder 6">
+            <a:extLst>
+              <a:ext uri="{FF2B5EF4-FFF2-40B4-BE49-F238E27FC236}">
+                <a16:creationId xmlns:a16="http://schemas.microsoft.com/office/drawing/2014/main" id="{13BDDC07-94BF-CED6-491C-C29AFC2C2C92}"/>
+              </a:ext>
+            </a:extLst>
+          </p:cNvPr>
+          <p:cNvSpPr txBox="1">
+            <a:spLocks noGrp="1"/>
+          </p:cNvSpPr>
+          <p:nvPr>
+            <p:ph type="sldNum" sz="quarter" idx="5"/>
+          </p:nvPr>
+        </p:nvSpPr>
+        <p:spPr>
+          <a:ln/>
+        </p:spPr>
+        <p:txBody>
+          <a:bodyPr vert="horz" lIns="0" tIns="0" rIns="0" bIns="0" anchor="b" anchorCtr="0">
+            <a:noAutofit/>
+          </a:bodyPr>
+          <a:lstStyle/>
+          <a:p>
+            <a:pPr lvl="0"/>
+            <a:fld id="{B92F4560-9524-44EF-8570-94546829CD49}" type="slidenum">
+              <a:t>31</a:t>
+            </a:fld>
+            <a:endParaRPr lang="en-IN"/>
+          </a:p>
+        </p:txBody>
+      </p:sp>
+      <p:sp>
+        <p:nvSpPr>
+          <p:cNvPr id="2" name="Slide Image Placeholder 1">
+            <a:extLst>
+              <a:ext uri="{FF2B5EF4-FFF2-40B4-BE49-F238E27FC236}">
+                <a16:creationId xmlns:a16="http://schemas.microsoft.com/office/drawing/2014/main" id="{1EE16B5D-10A6-89EB-3F13-A49018F526F6}"/>
+              </a:ext>
+            </a:extLst>
+          </p:cNvPr>
+          <p:cNvSpPr>
+            <a:spLocks noGrp="1" noRot="1" noChangeAspect="1" noResize="1"/>
+          </p:cNvSpPr>
+          <p:nvPr>
+            <p:ph type="sldImg"/>
+          </p:nvPr>
+        </p:nvSpPr>
+        <p:spPr>
+          <a:xfrm>
+            <a:off x="217488" y="812800"/>
+            <a:ext cx="7124700" cy="4008438"/>
+          </a:xfrm>
+          <a:solidFill>
+            <a:srgbClr val="729FCF"/>
+          </a:solidFill>
+          <a:ln w="25400">
+            <a:solidFill>
+              <a:srgbClr val="3465A4"/>
+            </a:solidFill>
+            <a:prstDash val="solid"/>
+          </a:ln>
+        </p:spPr>
+      </p:sp>
+      <p:sp>
+        <p:nvSpPr>
+          <p:cNvPr id="3" name="Notes Placeholder 2">
+            <a:extLst>
+              <a:ext uri="{FF2B5EF4-FFF2-40B4-BE49-F238E27FC236}">
+                <a16:creationId xmlns:a16="http://schemas.microsoft.com/office/drawing/2014/main" id="{630DD2F1-263B-E782-7578-F0F6E125DAA1}"/>
+              </a:ext>
+            </a:extLst>
+          </p:cNvPr>
+          <p:cNvSpPr txBox="1">
+            <a:spLocks noGrp="1"/>
+          </p:cNvSpPr>
+          <p:nvPr>
+            <p:ph type="body" sz="quarter" idx="1"/>
+          </p:nvPr>
+        </p:nvSpPr>
+        <p:spPr/>
+        <p:txBody>
+          <a:bodyPr vert="horz">
+            <a:spAutoFit/>
+          </a:bodyPr>
+          <a:lstStyle/>
+          <a:p>
+            <a:endParaRPr lang="en-IN"/>
+          </a:p>
+        </p:txBody>
+      </p:sp>
+    </p:spTree>
+    <p:extLst>
+      <p:ext uri="{BB962C8B-B14F-4D97-AF65-F5344CB8AC3E}">
+        <p14:creationId xmlns:p14="http://schemas.microsoft.com/office/powerpoint/2010/main" val="1602589772"/>
+      </p:ext>
+    </p:extLst>
+  </p:cSld>
+  <p:clrMapOvr>
+    <a:masterClrMapping/>
+  </p:clrMapOvr>
+</p:notes>
+</file>
+
+<file path=ppt/notesSlides/notesSlide28.xml><?xml version="1.0" encoding="utf-8"?>
+<p:notes xmlns:a="http://schemas.openxmlformats.org/drawingml/2006/main" xmlns:r="http://schemas.openxmlformats.org/officeDocument/2006/relationships" xmlns:p="http://schemas.openxmlformats.org/presentationml/2006/main">
+  <p:cSld>
+    <p:spTree>
+      <p:nvGrpSpPr>
+        <p:cNvPr id="1" name="">
+          <a:extLst>
+            <a:ext uri="{FF2B5EF4-FFF2-40B4-BE49-F238E27FC236}">
+              <a16:creationId xmlns:a16="http://schemas.microsoft.com/office/drawing/2014/main" id="{9A5EAA53-08A3-A941-0AF1-DE483380A018}"/>
+            </a:ext>
+          </a:extLst>
+        </p:cNvPr>
+        <p:cNvGrpSpPr/>
+        <p:nvPr/>
+      </p:nvGrpSpPr>
+      <p:grpSpPr>
+        <a:xfrm>
+          <a:off x="0" y="0"/>
+          <a:ext cx="0" cy="0"/>
+          <a:chOff x="0" y="0"/>
+          <a:chExt cx="0" cy="0"/>
+        </a:xfrm>
+      </p:grpSpPr>
+      <p:sp>
+        <p:nvSpPr>
+          <p:cNvPr id="7" name="Slide Number Placeholder 6">
+            <a:extLst>
+              <a:ext uri="{FF2B5EF4-FFF2-40B4-BE49-F238E27FC236}">
+                <a16:creationId xmlns:a16="http://schemas.microsoft.com/office/drawing/2014/main" id="{688484D4-8074-D69D-B7EF-E114AF4D172E}"/>
+              </a:ext>
+            </a:extLst>
+          </p:cNvPr>
+          <p:cNvSpPr txBox="1">
+            <a:spLocks noGrp="1"/>
+          </p:cNvSpPr>
+          <p:nvPr>
+            <p:ph type="sldNum" sz="quarter" idx="5"/>
+          </p:nvPr>
+        </p:nvSpPr>
+        <p:spPr>
+          <a:ln/>
+        </p:spPr>
+        <p:txBody>
+          <a:bodyPr vert="horz" lIns="0" tIns="0" rIns="0" bIns="0" anchor="b" anchorCtr="0">
+            <a:noAutofit/>
+          </a:bodyPr>
+          <a:lstStyle/>
+          <a:p>
+            <a:pPr lvl="0"/>
+            <a:fld id="{B92F4560-9524-44EF-8570-94546829CD49}" type="slidenum">
+              <a:t>32</a:t>
+            </a:fld>
+            <a:endParaRPr lang="en-IN"/>
+          </a:p>
+        </p:txBody>
+      </p:sp>
+      <p:sp>
+        <p:nvSpPr>
+          <p:cNvPr id="2" name="Slide Image Placeholder 1">
+            <a:extLst>
+              <a:ext uri="{FF2B5EF4-FFF2-40B4-BE49-F238E27FC236}">
+                <a16:creationId xmlns:a16="http://schemas.microsoft.com/office/drawing/2014/main" id="{0541B2AF-6A71-14E4-028D-85525D3F8EC1}"/>
+              </a:ext>
+            </a:extLst>
+          </p:cNvPr>
+          <p:cNvSpPr>
+            <a:spLocks noGrp="1" noRot="1" noChangeAspect="1" noResize="1"/>
+          </p:cNvSpPr>
+          <p:nvPr>
+            <p:ph type="sldImg"/>
+          </p:nvPr>
+        </p:nvSpPr>
+        <p:spPr>
+          <a:xfrm>
+            <a:off x="217488" y="812800"/>
+            <a:ext cx="7124700" cy="4008438"/>
+          </a:xfrm>
+          <a:solidFill>
+            <a:srgbClr val="729FCF"/>
+          </a:solidFill>
+          <a:ln w="25400">
+            <a:solidFill>
+              <a:srgbClr val="3465A4"/>
+            </a:solidFill>
+            <a:prstDash val="solid"/>
+          </a:ln>
+        </p:spPr>
+      </p:sp>
+      <p:sp>
+        <p:nvSpPr>
+          <p:cNvPr id="3" name="Notes Placeholder 2">
+            <a:extLst>
+              <a:ext uri="{FF2B5EF4-FFF2-40B4-BE49-F238E27FC236}">
+                <a16:creationId xmlns:a16="http://schemas.microsoft.com/office/drawing/2014/main" id="{9C35B762-9227-1843-621C-A3BE811EDA43}"/>
+              </a:ext>
+            </a:extLst>
+          </p:cNvPr>
+          <p:cNvSpPr txBox="1">
+            <a:spLocks noGrp="1"/>
+          </p:cNvSpPr>
+          <p:nvPr>
+            <p:ph type="body" sz="quarter" idx="1"/>
+          </p:nvPr>
+        </p:nvSpPr>
+        <p:spPr/>
+        <p:txBody>
+          <a:bodyPr vert="horz">
+            <a:spAutoFit/>
+          </a:bodyPr>
+          <a:lstStyle/>
+          <a:p>
+            <a:endParaRPr lang="en-IN"/>
+          </a:p>
+        </p:txBody>
+      </p:sp>
+    </p:spTree>
+    <p:extLst>
+      <p:ext uri="{BB962C8B-B14F-4D97-AF65-F5344CB8AC3E}">
+        <p14:creationId xmlns:p14="http://schemas.microsoft.com/office/powerpoint/2010/main" val="644713330"/>
+      </p:ext>
+    </p:extLst>
+  </p:cSld>
+  <p:clrMapOvr>
+    <a:masterClrMapping/>
+  </p:clrMapOvr>
+</p:notes>
+</file>
+
 <file path=ppt/notesSlides/notesSlide3.xml><?xml version="1.0" encoding="utf-8"?>
 <p:notes xmlns:a="http://schemas.openxmlformats.org/drawingml/2006/main" xmlns:r="http://schemas.openxmlformats.org/officeDocument/2006/relationships" xmlns:p="http://schemas.openxmlformats.org/presentationml/2006/main">
   <p:cSld>
@@ -8463,7 +8984,7 @@
       </p:grpSpPr>
       <p:pic>
         <p:nvPicPr>
-          <p:cNvPr id="2" name="">
+          <p:cNvPr id="2" name="Picture 1">
             <a:extLst>
               <a:ext uri="{FF2B5EF4-FFF2-40B4-BE49-F238E27FC236}">
                 <a16:creationId xmlns:a16="http://schemas.microsoft.com/office/drawing/2014/main" id="{9B00FFE2-6DCE-583B-BA89-BC88EDE828D0}"/>
@@ -8774,7 +9295,7 @@
       </p:sp>
       <p:pic>
         <p:nvPicPr>
-          <p:cNvPr id="8" name="">
+          <p:cNvPr id="8" name="Picture 7">
             <a:extLst>
               <a:ext uri="{FF2B5EF4-FFF2-40B4-BE49-F238E27FC236}">
                 <a16:creationId xmlns:a16="http://schemas.microsoft.com/office/drawing/2014/main" id="{9DDA5204-532F-262B-0D46-D6A6A64A8D13}"/>
@@ -9126,7 +9647,7 @@
       </p:grpSpPr>
       <p:pic>
         <p:nvPicPr>
-          <p:cNvPr id="2" name="">
+          <p:cNvPr id="2" name="Picture 1">
             <a:extLst>
               <a:ext uri="{FF2B5EF4-FFF2-40B4-BE49-F238E27FC236}">
                 <a16:creationId xmlns:a16="http://schemas.microsoft.com/office/drawing/2014/main" id="{87000341-BF33-5E7C-E147-3763BA7A6D52}"/>
@@ -9164,7 +9685,7 @@
       </p:pic>
       <p:pic>
         <p:nvPicPr>
-          <p:cNvPr id="3" name="">
+          <p:cNvPr id="3" name="Picture 2">
             <a:extLst>
               <a:ext uri="{FF2B5EF4-FFF2-40B4-BE49-F238E27FC236}">
                 <a16:creationId xmlns:a16="http://schemas.microsoft.com/office/drawing/2014/main" id="{BA8E7581-7428-354C-BC62-C8931D298E1B}"/>
@@ -16253,25 +16774,7 @@
                 <a:ea typeface="Noto Serif CJK SC"/>
                 <a:cs typeface="Lohit Devanagari"/>
               </a:rPr>
-              <a:t>These tools and platforms help you from hardware development to cloud integration, enabling you to collect, store, and </a:t>
-            </a:r>
-            <a:r>
-              <a:rPr lang="en-IN" sz="1800" kern="150" dirty="0" err="1">
-                <a:effectLst/>
-                <a:latin typeface="Liberation Serif"/>
-                <a:ea typeface="Noto Serif CJK SC"/>
-                <a:cs typeface="Lohit Devanagari"/>
-              </a:rPr>
-              <a:t>analyze</a:t>
-            </a:r>
-            <a:r>
-              <a:rPr lang="en-IN" sz="1800" kern="150" dirty="0">
-                <a:effectLst/>
-                <a:latin typeface="Liberation Serif"/>
-                <a:ea typeface="Noto Serif CJK SC"/>
-                <a:cs typeface="Lohit Devanagari"/>
-              </a:rPr>
-              <a:t> data from IoT devices effectively.</a:t>
+              <a:t>These tools and platforms help you from hardware development to cloud integration, enabling you to collect, store, and analyse data from IoT devices effectively.</a:t>
             </a:r>
           </a:p>
           <a:p>
@@ -16291,6 +16794,48 @@
               <a:ea typeface="Noto Serif CJK SC"/>
               <a:cs typeface="Lohit Devanagari"/>
             </a:endParaRPr>
+          </a:p>
+          <a:p>
+            <a:pPr>
+              <a:lnSpc>
+                <a:spcPct val="115000"/>
+              </a:lnSpc>
+              <a:spcAft>
+                <a:spcPts val="700"/>
+              </a:spcAft>
+            </a:pPr>
+            <a:r>
+              <a:rPr lang="en-US" sz="1800" kern="150" dirty="0">
+                <a:solidFill>
+                  <a:sysClr val="windowText" lastClr="000000"/>
+                </a:solidFill>
+                <a:latin typeface="Liberation Serif"/>
+                <a:ea typeface="Noto Serif CJK SC"/>
+                <a:cs typeface="Lohit Devanagari"/>
+              </a:rPr>
+              <a:t>Download Resource from:</a:t>
+            </a:r>
+          </a:p>
+          <a:p>
+            <a:pPr>
+              <a:lnSpc>
+                <a:spcPct val="115000"/>
+              </a:lnSpc>
+              <a:spcAft>
+                <a:spcPts val="700"/>
+              </a:spcAft>
+            </a:pPr>
+            <a:r>
+              <a:rPr lang="en-US" sz="2800" kern="150" dirty="0">
+                <a:solidFill>
+                  <a:srgbClr val="FF0000"/>
+                </a:solidFill>
+                <a:latin typeface="Liberation Serif"/>
+                <a:ea typeface="Noto Serif CJK SC"/>
+                <a:cs typeface="Lohit Devanagari"/>
+              </a:rPr>
+              <a:t>https://github.com/heikhama/IOT.git</a:t>
+            </a:r>
           </a:p>
         </p:txBody>
       </p:sp>
@@ -16447,6 +16992,157 @@
 </p:sld>
 </file>
 
+<file path=ppt/slides/slide29.xml><?xml version="1.0" encoding="utf-8"?>
+<p:sld xmlns:a="http://schemas.openxmlformats.org/drawingml/2006/main" xmlns:r="http://schemas.openxmlformats.org/officeDocument/2006/relationships" xmlns:p="http://schemas.openxmlformats.org/presentationml/2006/main">
+  <p:cSld>
+    <p:spTree>
+      <p:nvGrpSpPr>
+        <p:cNvPr id="1" name="">
+          <a:extLst>
+            <a:ext uri="{FF2B5EF4-FFF2-40B4-BE49-F238E27FC236}">
+              <a16:creationId xmlns:a16="http://schemas.microsoft.com/office/drawing/2014/main" id="{73B49132-31BC-8C56-B9B1-9E4C2775457D}"/>
+            </a:ext>
+          </a:extLst>
+        </p:cNvPr>
+        <p:cNvGrpSpPr/>
+        <p:nvPr/>
+      </p:nvGrpSpPr>
+      <p:grpSpPr>
+        <a:xfrm>
+          <a:off x="0" y="0"/>
+          <a:ext cx="0" cy="0"/>
+          <a:chOff x="0" y="0"/>
+          <a:chExt cx="0" cy="0"/>
+        </a:xfrm>
+      </p:grpSpPr>
+      <p:sp>
+        <p:nvSpPr>
+          <p:cNvPr id="2" name="Title 1">
+            <a:extLst>
+              <a:ext uri="{FF2B5EF4-FFF2-40B4-BE49-F238E27FC236}">
+                <a16:creationId xmlns:a16="http://schemas.microsoft.com/office/drawing/2014/main" id="{FB2C6171-480A-8684-1999-1D0FF7F61899}"/>
+              </a:ext>
+            </a:extLst>
+          </p:cNvPr>
+          <p:cNvSpPr txBox="1">
+            <a:spLocks noGrp="1"/>
+          </p:cNvSpPr>
+          <p:nvPr>
+            <p:ph type="title" idx="4294967295"/>
+          </p:nvPr>
+        </p:nvSpPr>
+        <p:spPr>
+          <a:xfrm>
+            <a:off x="503999" y="361672"/>
+            <a:ext cx="9071640" cy="1354217"/>
+          </a:xfrm>
+        </p:spPr>
+        <p:txBody>
+          <a:bodyPr vert="horz">
+            <a:spAutoFit/>
+          </a:bodyPr>
+          <a:lstStyle/>
+          <a:p>
+            <a:pPr lvl="0"/>
+            <a:r>
+              <a:rPr lang="en-US" dirty="0"/>
+              <a:t>Here’s a breakdown of how to achieve this project:</a:t>
+            </a:r>
+            <a:endParaRPr lang="en-IN" dirty="0"/>
+          </a:p>
+        </p:txBody>
+      </p:sp>
+      <p:sp>
+        <p:nvSpPr>
+          <p:cNvPr id="3" name="Text Placeholder 2">
+            <a:extLst>
+              <a:ext uri="{FF2B5EF4-FFF2-40B4-BE49-F238E27FC236}">
+                <a16:creationId xmlns:a16="http://schemas.microsoft.com/office/drawing/2014/main" id="{FBDF2F90-E6A9-9C7C-39A8-526CB8BADDBB}"/>
+              </a:ext>
+            </a:extLst>
+          </p:cNvPr>
+          <p:cNvSpPr txBox="1">
+            <a:spLocks noGrp="1"/>
+          </p:cNvSpPr>
+          <p:nvPr>
+            <p:ph type="body" idx="4294967295"/>
+          </p:nvPr>
+        </p:nvSpPr>
+        <p:spPr>
+          <a:xfrm>
+            <a:off x="503999" y="1655999"/>
+            <a:ext cx="9071640" cy="3528000"/>
+          </a:xfrm>
+        </p:spPr>
+        <p:txBody>
+          <a:bodyPr vert="horz">
+            <a:normAutofit/>
+          </a:bodyPr>
+          <a:lstStyle/>
+          <a:p>
+            <a:pPr>
+              <a:buNone/>
+            </a:pPr>
+            <a:r>
+              <a:rPr lang="en-US" b="1" dirty="0"/>
+              <a:t>Hardware Requirements:</a:t>
+            </a:r>
+          </a:p>
+          <a:p>
+            <a:pPr>
+              <a:buFont typeface="Arial" panose="020B0604020202020204" pitchFamily="34" charset="0"/>
+              <a:buChar char="•"/>
+            </a:pPr>
+            <a:r>
+              <a:rPr lang="en-US" dirty="0"/>
+              <a:t>Raspberry Pi (any model with GPIO support)</a:t>
+            </a:r>
+          </a:p>
+          <a:p>
+            <a:pPr>
+              <a:buFont typeface="Arial" panose="020B0604020202020204" pitchFamily="34" charset="0"/>
+              <a:buChar char="•"/>
+            </a:pPr>
+            <a:r>
+              <a:rPr lang="en-US" dirty="0"/>
+              <a:t>LED with a resistor (e.g., 220Ω)</a:t>
+            </a:r>
+          </a:p>
+          <a:p>
+            <a:pPr>
+              <a:buFont typeface="Arial" panose="020B0604020202020204" pitchFamily="34" charset="0"/>
+              <a:buChar char="•"/>
+            </a:pPr>
+            <a:r>
+              <a:rPr lang="en-US" dirty="0"/>
+              <a:t>DHT11 or DHT22 temperature sensor</a:t>
+            </a:r>
+          </a:p>
+          <a:p>
+            <a:pPr>
+              <a:buFont typeface="Arial" panose="020B0604020202020204" pitchFamily="34" charset="0"/>
+              <a:buChar char="•"/>
+            </a:pPr>
+            <a:r>
+              <a:rPr lang="en-US" dirty="0"/>
+              <a:t>Jumper wires</a:t>
+            </a:r>
+          </a:p>
+        </p:txBody>
+      </p:sp>
+    </p:spTree>
+    <p:extLst>
+      <p:ext uri="{BB962C8B-B14F-4D97-AF65-F5344CB8AC3E}">
+        <p14:creationId xmlns:p14="http://schemas.microsoft.com/office/powerpoint/2010/main" val="2356476823"/>
+      </p:ext>
+    </p:extLst>
+  </p:cSld>
+  <p:clrMapOvr>
+    <a:masterClrMapping/>
+  </p:clrMapOvr>
+</p:sld>
+</file>
+
 <file path=ppt/slides/slide3.xml><?xml version="1.0" encoding="utf-8"?>
 <p:sld xmlns:a="http://schemas.openxmlformats.org/drawingml/2006/main" xmlns:r="http://schemas.openxmlformats.org/officeDocument/2006/relationships" xmlns:p="http://schemas.openxmlformats.org/presentationml/2006/main">
   <p:cSld name="page3">
@@ -16755,6 +17451,568 @@
         </p:spPr>
       </p:pic>
     </p:spTree>
+  </p:cSld>
+  <p:clrMapOvr>
+    <a:masterClrMapping/>
+  </p:clrMapOvr>
+</p:sld>
+</file>
+
+<file path=ppt/slides/slide30.xml><?xml version="1.0" encoding="utf-8"?>
+<p:sld xmlns:a="http://schemas.openxmlformats.org/drawingml/2006/main" xmlns:r="http://schemas.openxmlformats.org/officeDocument/2006/relationships" xmlns:p="http://schemas.openxmlformats.org/presentationml/2006/main">
+  <p:cSld>
+    <p:spTree>
+      <p:nvGrpSpPr>
+        <p:cNvPr id="1" name="">
+          <a:extLst>
+            <a:ext uri="{FF2B5EF4-FFF2-40B4-BE49-F238E27FC236}">
+              <a16:creationId xmlns:a16="http://schemas.microsoft.com/office/drawing/2014/main" id="{DA41B55D-AFB6-E428-2779-05680638DA23}"/>
+            </a:ext>
+          </a:extLst>
+        </p:cNvPr>
+        <p:cNvGrpSpPr/>
+        <p:nvPr/>
+      </p:nvGrpSpPr>
+      <p:grpSpPr>
+        <a:xfrm>
+          <a:off x="0" y="0"/>
+          <a:ext cx="0" cy="0"/>
+          <a:chOff x="0" y="0"/>
+          <a:chExt cx="0" cy="0"/>
+        </a:xfrm>
+      </p:grpSpPr>
+      <p:sp>
+        <p:nvSpPr>
+          <p:cNvPr id="2" name="Title 1">
+            <a:extLst>
+              <a:ext uri="{FF2B5EF4-FFF2-40B4-BE49-F238E27FC236}">
+                <a16:creationId xmlns:a16="http://schemas.microsoft.com/office/drawing/2014/main" id="{A607F42B-A57D-324B-6761-AB0B70AA8DA3}"/>
+              </a:ext>
+            </a:extLst>
+          </p:cNvPr>
+          <p:cNvSpPr txBox="1">
+            <a:spLocks noGrp="1"/>
+          </p:cNvSpPr>
+          <p:nvPr>
+            <p:ph type="title" idx="4294967295"/>
+          </p:nvPr>
+        </p:nvSpPr>
+        <p:spPr>
+          <a:xfrm>
+            <a:off x="503999" y="700226"/>
+            <a:ext cx="9071640" cy="677108"/>
+          </a:xfrm>
+        </p:spPr>
+        <p:txBody>
+          <a:bodyPr vert="horz">
+            <a:spAutoFit/>
+          </a:bodyPr>
+          <a:lstStyle/>
+          <a:p>
+            <a:pPr lvl="0"/>
+            <a:r>
+              <a:rPr lang="en-IN" dirty="0"/>
+              <a:t>Software Setup:</a:t>
+            </a:r>
+          </a:p>
+        </p:txBody>
+      </p:sp>
+      <p:sp>
+        <p:nvSpPr>
+          <p:cNvPr id="3" name="Text Placeholder 2">
+            <a:extLst>
+              <a:ext uri="{FF2B5EF4-FFF2-40B4-BE49-F238E27FC236}">
+                <a16:creationId xmlns:a16="http://schemas.microsoft.com/office/drawing/2014/main" id="{2FEECBA6-FCF3-FBAE-8AE7-2E22A5C6FEE4}"/>
+              </a:ext>
+            </a:extLst>
+          </p:cNvPr>
+          <p:cNvSpPr txBox="1">
+            <a:spLocks noGrp="1"/>
+          </p:cNvSpPr>
+          <p:nvPr>
+            <p:ph type="body" idx="4294967295"/>
+          </p:nvPr>
+        </p:nvSpPr>
+        <p:spPr>
+          <a:xfrm>
+            <a:off x="503999" y="1655999"/>
+            <a:ext cx="9071640" cy="3528000"/>
+          </a:xfrm>
+        </p:spPr>
+        <p:txBody>
+          <a:bodyPr vert="horz">
+            <a:normAutofit/>
+          </a:bodyPr>
+          <a:lstStyle/>
+          <a:p>
+            <a:pPr>
+              <a:buNone/>
+            </a:pPr>
+            <a:r>
+              <a:rPr lang="en-US" dirty="0"/>
+              <a:t>Install Required Packages on Raspberry Pi:</a:t>
+            </a:r>
+          </a:p>
+          <a:p>
+            <a:pPr marL="342900" indent="-342900">
+              <a:buFont typeface="Arial" panose="020B0604020202020204" pitchFamily="34" charset="0"/>
+              <a:buChar char="•"/>
+            </a:pPr>
+            <a:r>
+              <a:rPr lang="en-US" sz="2400" dirty="0" err="1"/>
+              <a:t>sudo</a:t>
+            </a:r>
+            <a:r>
+              <a:rPr lang="en-US" sz="2400" dirty="0"/>
+              <a:t> apt update</a:t>
+            </a:r>
+          </a:p>
+          <a:p>
+            <a:pPr marL="342900" indent="-342900">
+              <a:buFont typeface="Arial" panose="020B0604020202020204" pitchFamily="34" charset="0"/>
+              <a:buChar char="•"/>
+            </a:pPr>
+            <a:r>
+              <a:rPr lang="en-US" sz="2400" dirty="0" err="1"/>
+              <a:t>sudo</a:t>
+            </a:r>
+            <a:r>
+              <a:rPr lang="en-US" sz="2400" dirty="0"/>
+              <a:t> apt install python3-pip </a:t>
+            </a:r>
+            <a:r>
+              <a:rPr lang="en-US" sz="2400" dirty="0" err="1"/>
+              <a:t>mysql</a:t>
+            </a:r>
+            <a:r>
+              <a:rPr lang="en-US" sz="2400" dirty="0"/>
+              <a:t>-server</a:t>
+            </a:r>
+          </a:p>
+          <a:p>
+            <a:pPr marL="342900" indent="-342900">
+              <a:buFont typeface="Arial" panose="020B0604020202020204" pitchFamily="34" charset="0"/>
+              <a:buChar char="•"/>
+            </a:pPr>
+            <a:r>
+              <a:rPr lang="en-US" sz="2400" dirty="0"/>
+              <a:t>pip3 install flask flask-</a:t>
+            </a:r>
+            <a:r>
+              <a:rPr lang="en-US" sz="2400" dirty="0" err="1"/>
+              <a:t>mysqldb</a:t>
+            </a:r>
+            <a:r>
+              <a:rPr lang="en-US" sz="2400" dirty="0"/>
+              <a:t> </a:t>
+            </a:r>
+            <a:r>
+              <a:rPr lang="en-US" sz="2400" dirty="0" err="1"/>
+              <a:t>RPi.GPIO</a:t>
+            </a:r>
+            <a:r>
+              <a:rPr lang="en-US" sz="2400" dirty="0"/>
+              <a:t> </a:t>
+            </a:r>
+            <a:r>
+              <a:rPr lang="en-US" sz="2400" dirty="0" err="1"/>
+              <a:t>Adafruit_DHT</a:t>
+            </a:r>
+            <a:endParaRPr lang="en-US" sz="2400" dirty="0"/>
+          </a:p>
+          <a:p>
+            <a:pPr>
+              <a:buNone/>
+            </a:pPr>
+            <a:endParaRPr lang="en-US" dirty="0"/>
+          </a:p>
+        </p:txBody>
+      </p:sp>
+    </p:spTree>
+    <p:extLst>
+      <p:ext uri="{BB962C8B-B14F-4D97-AF65-F5344CB8AC3E}">
+        <p14:creationId xmlns:p14="http://schemas.microsoft.com/office/powerpoint/2010/main" val="2924571097"/>
+      </p:ext>
+    </p:extLst>
+  </p:cSld>
+  <p:clrMapOvr>
+    <a:masterClrMapping/>
+  </p:clrMapOvr>
+</p:sld>
+</file>
+
+<file path=ppt/slides/slide31.xml><?xml version="1.0" encoding="utf-8"?>
+<p:sld xmlns:a="http://schemas.openxmlformats.org/drawingml/2006/main" xmlns:r="http://schemas.openxmlformats.org/officeDocument/2006/relationships" xmlns:p="http://schemas.openxmlformats.org/presentationml/2006/main">
+  <p:cSld>
+    <p:spTree>
+      <p:nvGrpSpPr>
+        <p:cNvPr id="1" name="">
+          <a:extLst>
+            <a:ext uri="{FF2B5EF4-FFF2-40B4-BE49-F238E27FC236}">
+              <a16:creationId xmlns:a16="http://schemas.microsoft.com/office/drawing/2014/main" id="{026D3148-B7AD-49F8-F00E-F25210AC0D49}"/>
+            </a:ext>
+          </a:extLst>
+        </p:cNvPr>
+        <p:cNvGrpSpPr/>
+        <p:nvPr/>
+      </p:nvGrpSpPr>
+      <p:grpSpPr>
+        <a:xfrm>
+          <a:off x="0" y="0"/>
+          <a:ext cx="0" cy="0"/>
+          <a:chOff x="0" y="0"/>
+          <a:chExt cx="0" cy="0"/>
+        </a:xfrm>
+      </p:grpSpPr>
+      <p:sp>
+        <p:nvSpPr>
+          <p:cNvPr id="2" name="Title 1">
+            <a:extLst>
+              <a:ext uri="{FF2B5EF4-FFF2-40B4-BE49-F238E27FC236}">
+                <a16:creationId xmlns:a16="http://schemas.microsoft.com/office/drawing/2014/main" id="{81DD2A4D-9B70-B952-6E79-26C2287A0839}"/>
+              </a:ext>
+            </a:extLst>
+          </p:cNvPr>
+          <p:cNvSpPr txBox="1">
+            <a:spLocks noGrp="1"/>
+          </p:cNvSpPr>
+          <p:nvPr>
+            <p:ph type="title" idx="4294967295"/>
+          </p:nvPr>
+        </p:nvSpPr>
+        <p:spPr>
+          <a:xfrm>
+            <a:off x="503999" y="700226"/>
+            <a:ext cx="9071640" cy="677108"/>
+          </a:xfrm>
+        </p:spPr>
+        <p:txBody>
+          <a:bodyPr vert="horz">
+            <a:spAutoFit/>
+          </a:bodyPr>
+          <a:lstStyle/>
+          <a:p>
+            <a:pPr lvl="0"/>
+            <a:r>
+              <a:rPr lang="en-IN" dirty="0"/>
+              <a:t>Setup MySQL Database</a:t>
+            </a:r>
+          </a:p>
+        </p:txBody>
+      </p:sp>
+      <p:sp>
+        <p:nvSpPr>
+          <p:cNvPr id="3" name="Text Placeholder 2">
+            <a:extLst>
+              <a:ext uri="{FF2B5EF4-FFF2-40B4-BE49-F238E27FC236}">
+                <a16:creationId xmlns:a16="http://schemas.microsoft.com/office/drawing/2014/main" id="{3BADE2AE-E9B3-9AFA-A0F3-29D92DA0FB26}"/>
+              </a:ext>
+            </a:extLst>
+          </p:cNvPr>
+          <p:cNvSpPr txBox="1">
+            <a:spLocks noGrp="1"/>
+          </p:cNvSpPr>
+          <p:nvPr>
+            <p:ph type="body" idx="4294967295"/>
+          </p:nvPr>
+        </p:nvSpPr>
+        <p:spPr>
+          <a:xfrm>
+            <a:off x="503999" y="1655999"/>
+            <a:ext cx="9071640" cy="3528000"/>
+          </a:xfrm>
+        </p:spPr>
+        <p:txBody>
+          <a:bodyPr vert="horz">
+            <a:normAutofit fontScale="55000" lnSpcReduction="20000"/>
+          </a:bodyPr>
+          <a:lstStyle/>
+          <a:p>
+            <a:pPr>
+              <a:buNone/>
+            </a:pPr>
+            <a:r>
+              <a:rPr lang="en-US" dirty="0"/>
+              <a:t>CREATE DATABASE </a:t>
+            </a:r>
+            <a:r>
+              <a:rPr lang="en-US" dirty="0" err="1"/>
+              <a:t>sensor_data</a:t>
+            </a:r>
+            <a:r>
+              <a:rPr lang="en-US" dirty="0"/>
+              <a:t>;</a:t>
+            </a:r>
+          </a:p>
+          <a:p>
+            <a:pPr>
+              <a:buNone/>
+            </a:pPr>
+            <a:r>
+              <a:rPr lang="en-US" dirty="0"/>
+              <a:t>USE </a:t>
+            </a:r>
+            <a:r>
+              <a:rPr lang="en-US" dirty="0" err="1"/>
+              <a:t>sensor_data</a:t>
+            </a:r>
+            <a:r>
+              <a:rPr lang="en-US" dirty="0"/>
+              <a:t>;</a:t>
+            </a:r>
+          </a:p>
+          <a:p>
+            <a:pPr>
+              <a:buNone/>
+            </a:pPr>
+            <a:endParaRPr lang="en-US" dirty="0"/>
+          </a:p>
+          <a:p>
+            <a:pPr>
+              <a:buNone/>
+            </a:pPr>
+            <a:r>
+              <a:rPr lang="en-US" dirty="0"/>
+              <a:t>CREATE TABLE status (</a:t>
+            </a:r>
+          </a:p>
+          <a:p>
+            <a:pPr>
+              <a:buNone/>
+            </a:pPr>
+            <a:r>
+              <a:rPr lang="en-US" dirty="0"/>
+              <a:t>    id INT AUTO_INCREMENT PRIMARY KEY,</a:t>
+            </a:r>
+          </a:p>
+          <a:p>
+            <a:pPr>
+              <a:buNone/>
+            </a:pPr>
+            <a:r>
+              <a:rPr lang="en-US" dirty="0"/>
+              <a:t>    temperature FLOAT,</a:t>
+            </a:r>
+          </a:p>
+          <a:p>
+            <a:pPr>
+              <a:buNone/>
+            </a:pPr>
+            <a:r>
+              <a:rPr lang="en-US" dirty="0"/>
+              <a:t>    </a:t>
+            </a:r>
+            <a:r>
+              <a:rPr lang="en-US" dirty="0" err="1"/>
+              <a:t>led_status</a:t>
+            </a:r>
+            <a:r>
+              <a:rPr lang="en-US" dirty="0"/>
+              <a:t> VARCHAR(3),</a:t>
+            </a:r>
+          </a:p>
+          <a:p>
+            <a:pPr>
+              <a:buNone/>
+            </a:pPr>
+            <a:r>
+              <a:rPr lang="en-US" dirty="0"/>
+              <a:t>    timestamp </a:t>
+            </a:r>
+            <a:r>
+              <a:rPr lang="en-US" dirty="0" err="1"/>
+              <a:t>TIMESTAMP</a:t>
+            </a:r>
+            <a:r>
+              <a:rPr lang="en-US" dirty="0"/>
+              <a:t> DEFAULT CURRENT_TIMESTAMP</a:t>
+            </a:r>
+          </a:p>
+          <a:p>
+            <a:pPr>
+              <a:buNone/>
+            </a:pPr>
+            <a:r>
+              <a:rPr lang="en-US" dirty="0"/>
+              <a:t>);</a:t>
+            </a:r>
+          </a:p>
+        </p:txBody>
+      </p:sp>
+    </p:spTree>
+    <p:extLst>
+      <p:ext uri="{BB962C8B-B14F-4D97-AF65-F5344CB8AC3E}">
+        <p14:creationId xmlns:p14="http://schemas.microsoft.com/office/powerpoint/2010/main" val="788291116"/>
+      </p:ext>
+    </p:extLst>
+  </p:cSld>
+  <p:clrMapOvr>
+    <a:masterClrMapping/>
+  </p:clrMapOvr>
+</p:sld>
+</file>
+
+<file path=ppt/slides/slide32.xml><?xml version="1.0" encoding="utf-8"?>
+<p:sld xmlns:a="http://schemas.openxmlformats.org/drawingml/2006/main" xmlns:r="http://schemas.openxmlformats.org/officeDocument/2006/relationships" xmlns:p="http://schemas.openxmlformats.org/presentationml/2006/main">
+  <p:cSld>
+    <p:spTree>
+      <p:nvGrpSpPr>
+        <p:cNvPr id="1" name="">
+          <a:extLst>
+            <a:ext uri="{FF2B5EF4-FFF2-40B4-BE49-F238E27FC236}">
+              <a16:creationId xmlns:a16="http://schemas.microsoft.com/office/drawing/2014/main" id="{AB5B54B2-F26D-30BE-9115-F8C3DFCE80BC}"/>
+            </a:ext>
+          </a:extLst>
+        </p:cNvPr>
+        <p:cNvGrpSpPr/>
+        <p:nvPr/>
+      </p:nvGrpSpPr>
+      <p:grpSpPr>
+        <a:xfrm>
+          <a:off x="0" y="0"/>
+          <a:ext cx="0" cy="0"/>
+          <a:chOff x="0" y="0"/>
+          <a:chExt cx="0" cy="0"/>
+        </a:xfrm>
+      </p:grpSpPr>
+      <p:sp>
+        <p:nvSpPr>
+          <p:cNvPr id="2" name="Title 1">
+            <a:extLst>
+              <a:ext uri="{FF2B5EF4-FFF2-40B4-BE49-F238E27FC236}">
+                <a16:creationId xmlns:a16="http://schemas.microsoft.com/office/drawing/2014/main" id="{3EC2FC16-1F05-D770-3A5E-00C87D2FE843}"/>
+              </a:ext>
+            </a:extLst>
+          </p:cNvPr>
+          <p:cNvSpPr txBox="1">
+            <a:spLocks noGrp="1"/>
+          </p:cNvSpPr>
+          <p:nvPr>
+            <p:ph type="title" idx="4294967295"/>
+          </p:nvPr>
+        </p:nvSpPr>
+        <p:spPr>
+          <a:xfrm>
+            <a:off x="503999" y="700226"/>
+            <a:ext cx="9071640" cy="677108"/>
+          </a:xfrm>
+        </p:spPr>
+        <p:txBody>
+          <a:bodyPr vert="horz">
+            <a:spAutoFit/>
+          </a:bodyPr>
+          <a:lstStyle/>
+          <a:p>
+            <a:pPr lvl="0"/>
+            <a:r>
+              <a:rPr lang="en-IN" dirty="0"/>
+              <a:t>Code Implementation</a:t>
+            </a:r>
+          </a:p>
+        </p:txBody>
+      </p:sp>
+      <p:sp>
+        <p:nvSpPr>
+          <p:cNvPr id="3" name="Text Placeholder 2">
+            <a:extLst>
+              <a:ext uri="{FF2B5EF4-FFF2-40B4-BE49-F238E27FC236}">
+                <a16:creationId xmlns:a16="http://schemas.microsoft.com/office/drawing/2014/main" id="{C25ECECF-7B25-FCBE-0928-5A57D3C99A0D}"/>
+              </a:ext>
+            </a:extLst>
+          </p:cNvPr>
+          <p:cNvSpPr txBox="1">
+            <a:spLocks noGrp="1"/>
+          </p:cNvSpPr>
+          <p:nvPr>
+            <p:ph type="body" idx="4294967295"/>
+          </p:nvPr>
+        </p:nvSpPr>
+        <p:spPr>
+          <a:xfrm>
+            <a:off x="503999" y="1655999"/>
+            <a:ext cx="9071640" cy="3528000"/>
+          </a:xfrm>
+        </p:spPr>
+        <p:txBody>
+          <a:bodyPr vert="horz">
+            <a:normAutofit fontScale="85000" lnSpcReduction="20000"/>
+          </a:bodyPr>
+          <a:lstStyle/>
+          <a:p>
+            <a:pPr>
+              <a:buNone/>
+            </a:pPr>
+            <a:r>
+              <a:rPr lang="en-IN" dirty="0"/>
+              <a:t>Flask Backend (app.py)</a:t>
+            </a:r>
+          </a:p>
+          <a:p>
+            <a:pPr>
+              <a:buNone/>
+            </a:pPr>
+            <a:r>
+              <a:rPr lang="en-IN" dirty="0"/>
+              <a:t>Frontend (templates/index.html)</a:t>
+            </a:r>
+          </a:p>
+          <a:p>
+            <a:pPr>
+              <a:buNone/>
+            </a:pPr>
+            <a:r>
+              <a:rPr lang="en-IN" dirty="0"/>
+              <a:t>Running the Application</a:t>
+            </a:r>
+          </a:p>
+          <a:p>
+            <a:pPr>
+              <a:buNone/>
+            </a:pPr>
+            <a:r>
+              <a:rPr lang="en-IN" dirty="0"/>
+              <a:t>	Start the Flask Server:</a:t>
+            </a:r>
+          </a:p>
+          <a:p>
+            <a:pPr>
+              <a:buNone/>
+            </a:pPr>
+            <a:r>
+              <a:rPr lang="en-IN" dirty="0"/>
+              <a:t>	python3 app.py</a:t>
+            </a:r>
+          </a:p>
+          <a:p>
+            <a:pPr>
+              <a:buNone/>
+            </a:pPr>
+            <a:r>
+              <a:rPr lang="en-US" b="1" dirty="0"/>
+              <a:t>Access the Web Interface</a:t>
+            </a:r>
+            <a:r>
+              <a:rPr lang="en-US" dirty="0"/>
+              <a:t> Open a browser and go to</a:t>
+            </a:r>
+          </a:p>
+          <a:p>
+            <a:pPr>
+              <a:buNone/>
+            </a:pPr>
+            <a:r>
+              <a:rPr lang="en-US" dirty="0"/>
+              <a:t>http://&lt;raspberry-pi-ip&gt;:5000</a:t>
+            </a:r>
+          </a:p>
+        </p:txBody>
+      </p:sp>
+    </p:spTree>
+    <p:extLst>
+      <p:ext uri="{BB962C8B-B14F-4D97-AF65-F5344CB8AC3E}">
+        <p14:creationId xmlns:p14="http://schemas.microsoft.com/office/powerpoint/2010/main" val="4118686074"/>
+      </p:ext>
+    </p:extLst>
   </p:cSld>
   <p:clrMapOvr>
     <a:masterClrMapping/>
